--- a/lectures/6/1_Designing the Data Collection Form for Communication Data.pptx
+++ b/lectures/6/1_Designing the Data Collection Form for Communication Data.pptx
@@ -6817,7 +6817,7 @@
           <a:p>
             <a:fld id="{73B2889B-A0AC-4482-8592-5C96F2309420}" type="datetimeFigureOut">
               <a:rPr lang="en-US" smtClean="0"/>
-              <a:t>9/27/2021</a:t>
+              <a:t>2/20/2022</a:t>
             </a:fld>
             <a:endParaRPr lang="en-US"/>
           </a:p>
@@ -6994,7 +6994,7 @@
           <a:p>
             <a:fld id="{830EB223-FFC0-462A-A3B8-EAA7CE0F8CBD}" type="datetimeFigureOut">
               <a:rPr lang="en-US" smtClean="0"/>
-              <a:t>9/27/2021</a:t>
+              <a:t>2/20/2022</a:t>
             </a:fld>
             <a:endParaRPr lang="en-US" dirty="0"/>
           </a:p>
@@ -7794,7 +7794,7 @@
             </a:pPr>
             <a:r>
               <a:rPr lang="en-US" dirty="0"/>
-              <a:t>1. We only pose question that is absolute necessary because customers have only limited cognitive ability to answer, then you would want to use it wisely.</a:t>
+              <a:t>1. We only pose question that is absolutely necessary because customers have only limited cognitive ability to answer, then you would want to use it wisely.</a:t>
             </a:r>
           </a:p>
           <a:p>
@@ -7817,76 +7817,7 @@
             </a:pPr>
             <a:r>
               <a:rPr lang="en-US" dirty="0"/>
-              <a:t>However, there is a caveat that sometimes, we do need necessary redundancy. For example, you are asking successive questions that might let the respondents know or guess your true research purpose, in which case you will have desirability bias (they are more likely to answer to what you want or expect). Then, in this case, we might introduce misleading questions to obscure respondents’ knowledge of the research purpose. </a:t>
-            </a:r>
-          </a:p>
-          <a:p>
-            <a:pPr marL="0" marR="0" lvl="0" indent="0" algn="l" defTabSz="914400" rtl="0" eaLnBrk="1" fontAlgn="auto" latinLnBrk="0" hangingPunct="1">
-              <a:lnSpc>
-                <a:spcPct val="100000"/>
-              </a:lnSpc>
-              <a:spcBef>
-                <a:spcPts val="0"/>
-              </a:spcBef>
-              <a:spcAft>
-                <a:spcPts val="0"/>
-              </a:spcAft>
-              <a:buClrTx/>
-              <a:buSzTx/>
-              <a:buFontTx/>
-              <a:buNone/>
-              <a:tabLst/>
-              <a:defRPr/>
-            </a:pPr>
-            <a:r>
-              <a:rPr lang="en-US" dirty="0"/>
-              <a:t>Secondly, related to the first issue, we would want the most parsimonious questionnaire, which means one with the least amount of questions</a:t>
-            </a:r>
-          </a:p>
-          <a:p>
-            <a:pPr marL="0" marR="0" lvl="0" indent="0" algn="l" defTabSz="914400" rtl="0" eaLnBrk="1" fontAlgn="auto" latinLnBrk="0" hangingPunct="1">
-              <a:lnSpc>
-                <a:spcPct val="100000"/>
-              </a:lnSpc>
-              <a:spcBef>
-                <a:spcPts val="0"/>
-              </a:spcBef>
-              <a:spcAft>
-                <a:spcPts val="0"/>
-              </a:spcAft>
-              <a:buClrTx/>
-              <a:buSzTx/>
-              <a:buFontTx/>
-              <a:buNone/>
-              <a:tabLst/>
-              <a:defRPr/>
-            </a:pPr>
-            <a:r>
-              <a:rPr lang="en-US" dirty="0"/>
-              <a:t>Thirdly, we also have to ask the question whether your respondents have the necessary information? To clarify this issue, we need to keep in mind who our informants are (whether it is customers, or salesperson, or stakeholders). </a:t>
-            </a:r>
-          </a:p>
-          <a:p>
-            <a:pPr marL="0" marR="0" lvl="0" indent="0" algn="l" defTabSz="914400" rtl="0" eaLnBrk="1" fontAlgn="auto" latinLnBrk="0" hangingPunct="1">
-              <a:lnSpc>
-                <a:spcPct val="100000"/>
-              </a:lnSpc>
-              <a:spcBef>
-                <a:spcPts val="0"/>
-              </a:spcBef>
-              <a:spcAft>
-                <a:spcPts val="0"/>
-              </a:spcAft>
-              <a:buClrTx/>
-              <a:buSzTx/>
-              <a:buFontTx/>
-              <a:buNone/>
-              <a:tabLst/>
-              <a:defRPr/>
-            </a:pPr>
-            <a:r>
-              <a:rPr lang="en-US" dirty="0"/>
-              <a:t>Lastly, whether the respondents will give you the information that you seek. We will go into this problem </a:t>
+              <a:t>However, there is a caveat that sometimes, we do need necessary redundancy. Can someone guess why sometimes we need to prolong our survey?</a:t>
             </a:r>
           </a:p>
           <a:p>
@@ -7929,7 +7860,7 @@
             </a:pPr>
             <a:r>
               <a:rPr lang="en-US" dirty="0"/>
-              <a:t>Regarding the third issue, we can pose filter questions to determine if a respondent is likely to possess the knowledge being sought; also used to determine if an individual qualifies as a member of the defined population </a:t>
+              <a:t>For example, you are asking successive questions that might let the respondents know or guess your true research purpose, in which case you will have desirability bias (they are more likely to answer to what you want or expect). Then, in this case, we might introduce misleading questions to obscure respondents’ knowledge of the research purpose. </a:t>
             </a:r>
           </a:p>
           <a:p>
@@ -7972,7 +7903,7 @@
             </a:pPr>
             <a:r>
               <a:rPr lang="en-US" dirty="0"/>
-              <a:t>Examples can be: read questions </a:t>
+              <a:t>Secondly, related to the first issue, we would want the most parsimonious questionnaire, which means one with the least amount of questions</a:t>
             </a:r>
           </a:p>
           <a:p>
@@ -8013,7 +7944,33 @@
               <a:tabLst/>
               <a:defRPr/>
             </a:pPr>
-            <a:endParaRPr lang="en-US" dirty="0"/>
+            <a:r>
+              <a:rPr lang="en-US" dirty="0"/>
+              <a:t>Thirdly, we also have to ask the question whether your respondents have the necessary information? To clarify this issue, we need to keep in mind who our informants are (whether it is customers, or salesperson, or stakeholders). </a:t>
+            </a:r>
+          </a:p>
+          <a:p>
+            <a:pPr marL="0" marR="0" lvl="0" indent="0" algn="l" defTabSz="914400" rtl="0" eaLnBrk="1" fontAlgn="auto" latinLnBrk="0" hangingPunct="1">
+              <a:lnSpc>
+                <a:spcPct val="100000"/>
+              </a:lnSpc>
+              <a:spcBef>
+                <a:spcPts val="0"/>
+              </a:spcBef>
+              <a:spcAft>
+                <a:spcPts val="0"/>
+              </a:spcAft>
+              <a:buClrTx/>
+              <a:buSzTx/>
+              <a:buFontTx/>
+              <a:buNone/>
+              <a:tabLst/>
+              <a:defRPr/>
+            </a:pPr>
+            <a:r>
+              <a:rPr lang="en-US" dirty="0"/>
+              <a:t>Regarding the third issue, we can pose filter questions to determine if a respondent is likely to possess the knowledge being sought; also used to determine if an individual qualifies as a member of the defined population </a:t>
+            </a:r>
           </a:p>
           <a:p>
             <a:pPr marL="0" marR="0" lvl="0" indent="0" algn="l" defTabSz="914400" rtl="0" eaLnBrk="1" fontAlgn="auto" latinLnBrk="0" hangingPunct="1">
@@ -8034,6 +7991,135 @@
               <a:defRPr/>
             </a:pPr>
             <a:endParaRPr lang="en-US" dirty="0"/>
+          </a:p>
+          <a:p>
+            <a:pPr marL="0" marR="0" lvl="0" indent="0" algn="l" defTabSz="914400" rtl="0" eaLnBrk="1" fontAlgn="auto" latinLnBrk="0" hangingPunct="1">
+              <a:lnSpc>
+                <a:spcPct val="100000"/>
+              </a:lnSpc>
+              <a:spcBef>
+                <a:spcPts val="0"/>
+              </a:spcBef>
+              <a:spcAft>
+                <a:spcPts val="0"/>
+              </a:spcAft>
+              <a:buClrTx/>
+              <a:buSzTx/>
+              <a:buFontTx/>
+              <a:buNone/>
+              <a:tabLst/>
+              <a:defRPr/>
+            </a:pPr>
+            <a:r>
+              <a:rPr lang="en-US" dirty="0"/>
+              <a:t>Examples can be: read questions </a:t>
+            </a:r>
+          </a:p>
+          <a:p>
+            <a:pPr marL="0" marR="0" lvl="0" indent="0" algn="l" defTabSz="914400" rtl="0" eaLnBrk="1" fontAlgn="auto" latinLnBrk="0" hangingPunct="1">
+              <a:lnSpc>
+                <a:spcPct val="100000"/>
+              </a:lnSpc>
+              <a:spcBef>
+                <a:spcPts val="0"/>
+              </a:spcBef>
+              <a:spcAft>
+                <a:spcPts val="0"/>
+              </a:spcAft>
+              <a:buClrTx/>
+              <a:buSzTx/>
+              <a:buFontTx/>
+              <a:buNone/>
+              <a:tabLst/>
+              <a:defRPr/>
+            </a:pPr>
+            <a:endParaRPr lang="en-US" dirty="0"/>
+          </a:p>
+          <a:p>
+            <a:pPr marL="0" marR="0" lvl="0" indent="0" algn="l" defTabSz="914400" rtl="0" eaLnBrk="1" fontAlgn="auto" latinLnBrk="0" hangingPunct="1">
+              <a:lnSpc>
+                <a:spcPct val="100000"/>
+              </a:lnSpc>
+              <a:spcBef>
+                <a:spcPts val="0"/>
+              </a:spcBef>
+              <a:spcAft>
+                <a:spcPts val="0"/>
+              </a:spcAft>
+              <a:buClrTx/>
+              <a:buSzTx/>
+              <a:buFontTx/>
+              <a:buNone/>
+              <a:tabLst/>
+              <a:defRPr/>
+            </a:pPr>
+            <a:r>
+              <a:rPr lang="en-US" dirty="0"/>
+              <a:t>And in our project, we have two objectives: raise awareness of new customers or increase satisfaction of existing ones. Then, you also need to filter those who are not in your sample (for example: )</a:t>
+            </a:r>
+          </a:p>
+          <a:p>
+            <a:pPr marL="0" marR="0" lvl="0" indent="0" algn="l" defTabSz="914400" rtl="0" eaLnBrk="1" fontAlgn="auto" latinLnBrk="0" hangingPunct="1">
+              <a:lnSpc>
+                <a:spcPct val="100000"/>
+              </a:lnSpc>
+              <a:spcBef>
+                <a:spcPts val="0"/>
+              </a:spcBef>
+              <a:spcAft>
+                <a:spcPts val="0"/>
+              </a:spcAft>
+              <a:buClrTx/>
+              <a:buSzTx/>
+              <a:buFontTx/>
+              <a:buNone/>
+              <a:tabLst/>
+              <a:defRPr/>
+            </a:pPr>
+            <a:endParaRPr lang="en-US" dirty="0"/>
+          </a:p>
+          <a:p>
+            <a:pPr marL="0" marR="0" lvl="0" indent="0" algn="l" defTabSz="914400" rtl="0" eaLnBrk="1" fontAlgn="auto" latinLnBrk="0" hangingPunct="1">
+              <a:lnSpc>
+                <a:spcPct val="100000"/>
+              </a:lnSpc>
+              <a:spcBef>
+                <a:spcPts val="0"/>
+              </a:spcBef>
+              <a:spcAft>
+                <a:spcPts val="0"/>
+              </a:spcAft>
+              <a:buClrTx/>
+              <a:buSzTx/>
+              <a:buFontTx/>
+              <a:buNone/>
+              <a:tabLst/>
+              <a:defRPr/>
+            </a:pPr>
+            <a:endParaRPr lang="en-US" dirty="0"/>
+          </a:p>
+          <a:p>
+            <a:pPr marL="0" marR="0" lvl="0" indent="0" algn="l" defTabSz="914400" rtl="0" eaLnBrk="1" fontAlgn="auto" latinLnBrk="0" hangingPunct="1">
+              <a:lnSpc>
+                <a:spcPct val="100000"/>
+              </a:lnSpc>
+              <a:spcBef>
+                <a:spcPts val="0"/>
+              </a:spcBef>
+              <a:spcAft>
+                <a:spcPts val="0"/>
+              </a:spcAft>
+              <a:buClrTx/>
+              <a:buSzTx/>
+              <a:buFontTx/>
+              <a:buNone/>
+              <a:tabLst/>
+              <a:defRPr/>
+            </a:pPr>
+            <a:r>
+              <a:rPr lang="en-US" dirty="0"/>
+              <a:t>Lastly, whether the respondents will give you the information that you seek. We will go into this problem </a:t>
+            </a:r>
           </a:p>
           <a:p>
             <a:pPr marL="0" marR="0" lvl="0" indent="0" algn="l" defTabSz="914400" rtl="0" eaLnBrk="1" fontAlgn="auto" latinLnBrk="0" hangingPunct="1">
@@ -8541,6 +8627,57 @@
             <a:endParaRPr lang="en-US" dirty="0"/>
           </a:p>
           <a:p>
+            <a:endParaRPr lang="en-US" dirty="0"/>
+          </a:p>
+          <a:p>
+            <a:endParaRPr lang="en-US" dirty="0"/>
+          </a:p>
+          <a:p>
+            <a:endParaRPr lang="en-US" dirty="0"/>
+          </a:p>
+          <a:p>
+            <a:endParaRPr lang="en-US" dirty="0"/>
+          </a:p>
+          <a:p>
+            <a:endParaRPr lang="en-US" dirty="0"/>
+          </a:p>
+          <a:p>
+            <a:endParaRPr lang="en-US" dirty="0"/>
+          </a:p>
+          <a:p>
+            <a:endParaRPr lang="en-US" dirty="0"/>
+          </a:p>
+          <a:p>
+            <a:endParaRPr lang="en-US" dirty="0"/>
+          </a:p>
+          <a:p>
+            <a:endParaRPr lang="en-US" dirty="0"/>
+          </a:p>
+          <a:p>
+            <a:endParaRPr lang="en-US" dirty="0"/>
+          </a:p>
+          <a:p>
+            <a:endParaRPr lang="en-US" dirty="0"/>
+          </a:p>
+          <a:p>
+            <a:endParaRPr lang="en-US" dirty="0"/>
+          </a:p>
+          <a:p>
+            <a:endParaRPr lang="en-US" dirty="0"/>
+          </a:p>
+          <a:p>
+            <a:endParaRPr lang="en-US" dirty="0"/>
+          </a:p>
+          <a:p>
+            <a:endParaRPr lang="en-US" dirty="0"/>
+          </a:p>
+          <a:p>
+            <a:endParaRPr lang="en-US" dirty="0"/>
+          </a:p>
+          <a:p>
+            <a:endParaRPr lang="en-US" dirty="0"/>
+          </a:p>
+          <a:p>
             <a:r>
               <a:rPr lang="en-US" dirty="0"/>
               <a:t>Since recall loss and telescoping error work in opposite direction, there in principle will be an optimal time frame to ask a particular question. (which is usually two weeks, to one month). </a:t>
@@ -8997,6 +9134,23 @@
               <a:t>The two answers must be equivalent such as yes/no</a:t>
             </a:r>
           </a:p>
+          <a:p>
+            <a:endParaRPr lang="en-US" dirty="0"/>
+          </a:p>
+          <a:p>
+            <a:r>
+              <a:rPr lang="en-US" dirty="0"/>
+              <a:t>The </a:t>
+            </a:r>
+            <a:r>
+              <a:rPr lang="en-US" dirty="0" err="1"/>
+              <a:t>respodnents</a:t>
+            </a:r>
+            <a:r>
+              <a:rPr lang="en-US" dirty="0"/>
+              <a:t> must understand that the interviewers do not know what question the respondents were asked. </a:t>
+            </a:r>
+          </a:p>
         </p:txBody>
       </p:sp>
       <p:sp>
@@ -9624,6 +9778,21 @@
             <a:r>
               <a:rPr lang="en-US" dirty="0"/>
               <a:t>Then, close-ended questions are </a:t>
+            </a:r>
+          </a:p>
+          <a:p>
+            <a:endParaRPr lang="en-US" dirty="0"/>
+          </a:p>
+          <a:p>
+            <a:r>
+              <a:rPr lang="en-US" dirty="0"/>
+              <a:t>Why do you think we want to use closed-ended questions, or the other way around? </a:t>
+            </a:r>
+          </a:p>
+          <a:p>
+            <a:r>
+              <a:rPr lang="en-US" dirty="0"/>
+              <a:t>Explore, vs. structure. </a:t>
             </a:r>
           </a:p>
         </p:txBody>
@@ -12696,7 +12865,7 @@
           <a:p>
             <a:fld id="{8A35812F-99AF-4BD4-8243-7B044A17BDDE}" type="datetime1">
               <a:rPr lang="en-US" smtClean="0"/>
-              <a:t>9/27/2021</a:t>
+              <a:t>2/20/2022</a:t>
             </a:fld>
             <a:endParaRPr lang="en-US" dirty="0"/>
           </a:p>
@@ -12898,7 +13067,7 @@
           <a:p>
             <a:fld id="{530C42D9-EDD5-43D7-92FA-0F52DC5285AB}" type="datetime1">
               <a:rPr lang="en-US" smtClean="0"/>
-              <a:t>9/27/2021</a:t>
+              <a:t>2/20/2022</a:t>
             </a:fld>
             <a:endParaRPr lang="en-US" dirty="0"/>
           </a:p>
@@ -13110,7 +13279,7 @@
           <a:p>
             <a:fld id="{009444EE-44E0-4DD0-B923-1C1243ECDF97}" type="datetime1">
               <a:rPr lang="en-US" smtClean="0"/>
-              <a:t>9/27/2021</a:t>
+              <a:t>2/20/2022</a:t>
             </a:fld>
             <a:endParaRPr lang="en-US" dirty="0"/>
           </a:p>
@@ -13312,7 +13481,7 @@
           <a:p>
             <a:fld id="{8E71FAFA-920C-44B1-8F17-951198AEE18E}" type="datetime1">
               <a:rPr lang="en-US" smtClean="0"/>
-              <a:t>9/27/2021</a:t>
+              <a:t>2/20/2022</a:t>
             </a:fld>
             <a:endParaRPr lang="en-US" dirty="0"/>
           </a:p>
@@ -13591,7 +13760,7 @@
           <a:p>
             <a:fld id="{6FFCC8EE-5FE0-42C4-8130-5E264FD441A5}" type="datetime1">
               <a:rPr lang="en-US" smtClean="0"/>
-              <a:t>9/27/2021</a:t>
+              <a:t>2/20/2022</a:t>
             </a:fld>
             <a:endParaRPr lang="en-US" dirty="0"/>
           </a:p>
@@ -13860,7 +14029,7 @@
           <a:p>
             <a:fld id="{D7A7FB71-F2CC-4277-9191-82B4BC1E1FFF}" type="datetime1">
               <a:rPr lang="en-US" smtClean="0"/>
-              <a:t>9/27/2021</a:t>
+              <a:t>2/20/2022</a:t>
             </a:fld>
             <a:endParaRPr lang="en-US" dirty="0"/>
           </a:p>
@@ -14276,7 +14445,7 @@
           <a:p>
             <a:fld id="{BBF5DB8E-2310-4119-A3F5-23B7568B05FB}" type="datetime1">
               <a:rPr lang="en-US" smtClean="0"/>
-              <a:t>9/27/2021</a:t>
+              <a:t>2/20/2022</a:t>
             </a:fld>
             <a:endParaRPr lang="en-US" dirty="0"/>
           </a:p>
@@ -14421,7 +14590,7 @@
           <a:p>
             <a:fld id="{0220506B-3ADF-4BF8-A7AA-A2C4CF75112F}" type="datetime1">
               <a:rPr lang="en-US" smtClean="0"/>
-              <a:t>9/27/2021</a:t>
+              <a:t>2/20/2022</a:t>
             </a:fld>
             <a:endParaRPr lang="en-US" dirty="0"/>
           </a:p>
@@ -14538,7 +14707,7 @@
           <a:p>
             <a:fld id="{1831213C-DB0E-449F-BA2E-95219C383337}" type="datetime1">
               <a:rPr lang="en-US" smtClean="0"/>
-              <a:t>9/27/2021</a:t>
+              <a:t>2/20/2022</a:t>
             </a:fld>
             <a:endParaRPr lang="en-US" dirty="0"/>
           </a:p>
@@ -14853,7 +15022,7 @@
           <a:p>
             <a:fld id="{ADBD0578-94DB-41D7-A161-2B6CA42CED96}" type="datetime1">
               <a:rPr lang="en-US" smtClean="0"/>
-              <a:t>9/27/2021</a:t>
+              <a:t>2/20/2022</a:t>
             </a:fld>
             <a:endParaRPr lang="en-US" dirty="0"/>
           </a:p>
@@ -15149,7 +15318,7 @@
           <a:p>
             <a:fld id="{568D8D1C-7B2C-4563-B607-3FCE61C2D7DA}" type="datetime1">
               <a:rPr lang="en-US" smtClean="0"/>
-              <a:t>9/27/2021</a:t>
+              <a:t>2/20/2022</a:t>
             </a:fld>
             <a:endParaRPr lang="en-US" dirty="0"/>
           </a:p>
@@ -15394,7 +15563,7 @@
           <a:p>
             <a:fld id="{70238022-1F1B-45F8-87A0-F3D2B3E84BE9}" type="datetime1">
               <a:rPr lang="en-US" smtClean="0"/>
-              <a:t>9/27/2021</a:t>
+              <a:t>2/20/2022</a:t>
             </a:fld>
             <a:endParaRPr lang="en-US" dirty="0"/>
           </a:p>
@@ -15950,8 +16119,15 @@
           <a:p>
             <a:pPr algn="l"/>
             <a:r>
-              <a:rPr lang="en-US"/>
+              <a:rPr lang="en-US" dirty="0"/>
               <a:t>Take your name tag</a:t>
+            </a:r>
+          </a:p>
+          <a:p>
+            <a:pPr algn="l"/>
+            <a:r>
+              <a:rPr lang="en-US" dirty="0"/>
+              <a:t>Check-in</a:t>
             </a:r>
           </a:p>
         </p:txBody>
@@ -18821,8 +18997,8 @@
               <a:buAutoNum type="arabicPeriod"/>
             </a:pPr>
             <a:r>
-              <a:rPr lang="en-US" sz="2000"/>
-              <a:t>Define telescoping error and recall loss and explain how they affect a respondent’s ability to answer questions accurately </a:t>
+              <a:rPr lang="en-US" sz="2000" dirty="0"/>
+              <a:t>Define recall loss and explain how they affect a respondent’s ability to answer questions accurately </a:t>
             </a:r>
           </a:p>
           <a:p>
@@ -18831,7 +19007,7 @@
               <a:buAutoNum type="arabicPeriod"/>
             </a:pPr>
             <a:r>
-              <a:rPr lang="en-US" sz="2000"/>
+              <a:rPr lang="en-US" sz="2000" dirty="0"/>
               <a:t>List some techniques that researchers use to secure respondents’ cooperation in answering sensitive questions</a:t>
             </a:r>
           </a:p>
@@ -18841,7 +19017,7 @@
               <a:buAutoNum type="arabicPeriod"/>
             </a:pPr>
             <a:r>
-              <a:rPr lang="en-US" sz="2000"/>
+              <a:rPr lang="en-US" sz="2000" dirty="0"/>
               <a:t>List some of the primary rules researchers should keep in mind in trying to develop bias-free questions </a:t>
             </a:r>
           </a:p>
@@ -18851,7 +19027,7 @@
               <a:buAutoNum type="arabicPeriod"/>
             </a:pPr>
             <a:r>
-              <a:rPr lang="en-US" sz="2000"/>
+              <a:rPr lang="en-US" sz="2000" dirty="0"/>
               <a:t>Explain what the funnel approach to question sequencing is </a:t>
             </a:r>
           </a:p>
@@ -18861,7 +19037,7 @@
               <a:buAutoNum type="arabicPeriod"/>
             </a:pPr>
             <a:r>
-              <a:rPr lang="en-US" sz="2000"/>
+              <a:rPr lang="en-US" sz="2000" dirty="0"/>
               <a:t>Explain what a branching question is and discuss when it is used </a:t>
             </a:r>
           </a:p>
@@ -18871,7 +19047,7 @@
               <a:buAutoNum type="arabicPeriod"/>
             </a:pPr>
             <a:r>
-              <a:rPr lang="en-US" sz="2000"/>
+              <a:rPr lang="en-US" sz="2000" dirty="0"/>
               <a:t>Explain the difference between target information and classification information and tell which should be asked first in a questionnaire </a:t>
             </a:r>
           </a:p>
@@ -18881,8 +19057,8 @@
               <a:buAutoNum type="arabicPeriod"/>
             </a:pPr>
             <a:r>
-              <a:rPr lang="en-US" sz="2000"/>
-              <a:t>Explain the role of pretesting int eh questionnaire development process</a:t>
+              <a:rPr lang="en-US" sz="2000" dirty="0"/>
+              <a:t>Explain the role of pretesting in the questionnaire development process</a:t>
             </a:r>
           </a:p>
         </p:txBody>
@@ -21048,7 +21224,15 @@
             <a:pPr lvl="1"/>
             <a:r>
               <a:rPr lang="en-US" sz="2200" dirty="0"/>
-              <a:t>Is the question necessary?</a:t>
+              <a:t>Is the question </a:t>
+            </a:r>
+            <a:r>
+              <a:rPr lang="en-US" sz="2200" b="1" dirty="0"/>
+              <a:t>necessary</a:t>
+            </a:r>
+            <a:r>
+              <a:rPr lang="en-US" sz="2200" dirty="0"/>
+              <a:t>?</a:t>
             </a:r>
           </a:p>
           <a:p>
@@ -21062,7 +21246,15 @@
             <a:pPr lvl="1"/>
             <a:r>
               <a:rPr lang="en-US" sz="2200" dirty="0"/>
-              <a:t>Do respondents have the necessary information? </a:t>
+              <a:t>Do respondents have the </a:t>
+            </a:r>
+            <a:r>
+              <a:rPr lang="en-US" sz="2200" b="1" dirty="0"/>
+              <a:t>necessary</a:t>
+            </a:r>
+            <a:r>
+              <a:rPr lang="en-US" sz="2200" dirty="0"/>
+              <a:t> information? </a:t>
             </a:r>
           </a:p>
           <a:p>
@@ -21201,7 +21393,7 @@
 </file>
 
 <file path=ppt/slides/slide17.xml><?xml version="1.0" encoding="utf-8"?>
-<p:sld xmlns:a="http://schemas.openxmlformats.org/drawingml/2006/main" xmlns:r="http://schemas.openxmlformats.org/officeDocument/2006/relationships" xmlns:p="http://schemas.openxmlformats.org/presentationml/2006/main">
+<p:sld xmlns:a="http://schemas.openxmlformats.org/drawingml/2006/main" xmlns:r="http://schemas.openxmlformats.org/officeDocument/2006/relationships" xmlns:p="http://schemas.openxmlformats.org/presentationml/2006/main" show="0">
   <p:cSld>
     <p:bg>
       <p:bgPr>
@@ -33181,7 +33373,7 @@
 </file>
 
 <file path=ppt/slides/slide34.xml><?xml version="1.0" encoding="utf-8"?>
-<p:sld xmlns:a="http://schemas.openxmlformats.org/drawingml/2006/main" xmlns:r="http://schemas.openxmlformats.org/officeDocument/2006/relationships" xmlns:p="http://schemas.openxmlformats.org/presentationml/2006/main">
+<p:sld xmlns:a="http://schemas.openxmlformats.org/drawingml/2006/main" xmlns:r="http://schemas.openxmlformats.org/officeDocument/2006/relationships" xmlns:p="http://schemas.openxmlformats.org/presentationml/2006/main" show="0">
   <p:cSld>
     <p:bg>
       <p:bgPr>
@@ -35972,7 +36164,7 @@
           <a:p>
             <a:r>
               <a:rPr lang="en-US" dirty="0"/>
-              <a:t>Things to be Avoid</a:t>
+              <a:t>Things to Avoid</a:t>
             </a:r>
           </a:p>
         </p:txBody>
@@ -36820,7 +37012,7 @@
           <a:p>
             <a:r>
               <a:rPr lang="en-US" dirty="0"/>
-              <a:t>Things to be Avoid</a:t>
+              <a:t>Things to Avoid</a:t>
             </a:r>
           </a:p>
         </p:txBody>
@@ -43105,6 +43297,235 @@
   <p:clrMapOvr>
     <a:masterClrMapping/>
   </p:clrMapOvr>
+  <p:timing>
+    <p:tnLst>
+      <p:par>
+        <p:cTn id="1" dur="indefinite" restart="never" nodeType="tmRoot">
+          <p:childTnLst>
+            <p:seq concurrent="1" nextAc="seek">
+              <p:cTn id="2" dur="indefinite" nodeType="mainSeq">
+                <p:childTnLst>
+                  <p:par>
+                    <p:cTn id="3" fill="hold">
+                      <p:stCondLst>
+                        <p:cond delay="indefinite"/>
+                      </p:stCondLst>
+                      <p:childTnLst>
+                        <p:par>
+                          <p:cTn id="4" fill="hold">
+                            <p:stCondLst>
+                              <p:cond delay="0"/>
+                            </p:stCondLst>
+                            <p:childTnLst>
+                              <p:par>
+                                <p:cTn id="5" presetID="1" presetClass="entr" presetSubtype="0" fill="hold" grpId="0" nodeType="clickEffect">
+                                  <p:stCondLst>
+                                    <p:cond delay="0"/>
+                                  </p:stCondLst>
+                                  <p:childTnLst>
+                                    <p:set>
+                                      <p:cBhvr>
+                                        <p:cTn id="6" dur="1" fill="hold">
+                                          <p:stCondLst>
+                                            <p:cond delay="0"/>
+                                          </p:stCondLst>
+                                        </p:cTn>
+                                        <p:tgtEl>
+                                          <p:spTgt spid="3">
+                                            <p:txEl>
+                                              <p:pRg st="1" end="1"/>
+                                            </p:txEl>
+                                          </p:spTgt>
+                                        </p:tgtEl>
+                                        <p:attrNameLst>
+                                          <p:attrName>style.visibility</p:attrName>
+                                        </p:attrNameLst>
+                                      </p:cBhvr>
+                                      <p:to>
+                                        <p:strVal val="visible"/>
+                                      </p:to>
+                                    </p:set>
+                                  </p:childTnLst>
+                                </p:cTn>
+                              </p:par>
+                            </p:childTnLst>
+                          </p:cTn>
+                        </p:par>
+                      </p:childTnLst>
+                    </p:cTn>
+                  </p:par>
+                  <p:par>
+                    <p:cTn id="7" fill="hold">
+                      <p:stCondLst>
+                        <p:cond delay="indefinite"/>
+                      </p:stCondLst>
+                      <p:childTnLst>
+                        <p:par>
+                          <p:cTn id="8" fill="hold">
+                            <p:stCondLst>
+                              <p:cond delay="0"/>
+                            </p:stCondLst>
+                            <p:childTnLst>
+                              <p:par>
+                                <p:cTn id="9" presetID="1" presetClass="entr" presetSubtype="0" fill="hold" grpId="0" nodeType="clickEffect">
+                                  <p:stCondLst>
+                                    <p:cond delay="0"/>
+                                  </p:stCondLst>
+                                  <p:childTnLst>
+                                    <p:set>
+                                      <p:cBhvr>
+                                        <p:cTn id="10" dur="1" fill="hold">
+                                          <p:stCondLst>
+                                            <p:cond delay="0"/>
+                                          </p:stCondLst>
+                                        </p:cTn>
+                                        <p:tgtEl>
+                                          <p:spTgt spid="3">
+                                            <p:txEl>
+                                              <p:pRg st="2" end="2"/>
+                                            </p:txEl>
+                                          </p:spTgt>
+                                        </p:tgtEl>
+                                        <p:attrNameLst>
+                                          <p:attrName>style.visibility</p:attrName>
+                                        </p:attrNameLst>
+                                      </p:cBhvr>
+                                      <p:to>
+                                        <p:strVal val="visible"/>
+                                      </p:to>
+                                    </p:set>
+                                  </p:childTnLst>
+                                </p:cTn>
+                              </p:par>
+                            </p:childTnLst>
+                          </p:cTn>
+                        </p:par>
+                      </p:childTnLst>
+                    </p:cTn>
+                  </p:par>
+                  <p:par>
+                    <p:cTn id="11" fill="hold">
+                      <p:stCondLst>
+                        <p:cond delay="indefinite"/>
+                      </p:stCondLst>
+                      <p:childTnLst>
+                        <p:par>
+                          <p:cTn id="12" fill="hold">
+                            <p:stCondLst>
+                              <p:cond delay="0"/>
+                            </p:stCondLst>
+                            <p:childTnLst>
+                              <p:par>
+                                <p:cTn id="13" presetID="1" presetClass="entr" presetSubtype="0" fill="hold" grpId="0" nodeType="clickEffect">
+                                  <p:stCondLst>
+                                    <p:cond delay="0"/>
+                                  </p:stCondLst>
+                                  <p:childTnLst>
+                                    <p:set>
+                                      <p:cBhvr>
+                                        <p:cTn id="14" dur="1" fill="hold">
+                                          <p:stCondLst>
+                                            <p:cond delay="0"/>
+                                          </p:stCondLst>
+                                        </p:cTn>
+                                        <p:tgtEl>
+                                          <p:spTgt spid="3">
+                                            <p:txEl>
+                                              <p:pRg st="3" end="3"/>
+                                            </p:txEl>
+                                          </p:spTgt>
+                                        </p:tgtEl>
+                                        <p:attrNameLst>
+                                          <p:attrName>style.visibility</p:attrName>
+                                        </p:attrNameLst>
+                                      </p:cBhvr>
+                                      <p:to>
+                                        <p:strVal val="visible"/>
+                                      </p:to>
+                                    </p:set>
+                                  </p:childTnLst>
+                                </p:cTn>
+                              </p:par>
+                            </p:childTnLst>
+                          </p:cTn>
+                        </p:par>
+                      </p:childTnLst>
+                    </p:cTn>
+                  </p:par>
+                  <p:par>
+                    <p:cTn id="15" fill="hold">
+                      <p:stCondLst>
+                        <p:cond delay="indefinite"/>
+                      </p:stCondLst>
+                      <p:childTnLst>
+                        <p:par>
+                          <p:cTn id="16" fill="hold">
+                            <p:stCondLst>
+                              <p:cond delay="0"/>
+                            </p:stCondLst>
+                            <p:childTnLst>
+                              <p:par>
+                                <p:cTn id="17" presetID="1" presetClass="entr" presetSubtype="0" fill="hold" grpId="0" nodeType="clickEffect">
+                                  <p:stCondLst>
+                                    <p:cond delay="0"/>
+                                  </p:stCondLst>
+                                  <p:childTnLst>
+                                    <p:set>
+                                      <p:cBhvr>
+                                        <p:cTn id="18" dur="1" fill="hold">
+                                          <p:stCondLst>
+                                            <p:cond delay="0"/>
+                                          </p:stCondLst>
+                                        </p:cTn>
+                                        <p:tgtEl>
+                                          <p:spTgt spid="3">
+                                            <p:txEl>
+                                              <p:pRg st="4" end="4"/>
+                                            </p:txEl>
+                                          </p:spTgt>
+                                        </p:tgtEl>
+                                        <p:attrNameLst>
+                                          <p:attrName>style.visibility</p:attrName>
+                                        </p:attrNameLst>
+                                      </p:cBhvr>
+                                      <p:to>
+                                        <p:strVal val="visible"/>
+                                      </p:to>
+                                    </p:set>
+                                  </p:childTnLst>
+                                </p:cTn>
+                              </p:par>
+                            </p:childTnLst>
+                          </p:cTn>
+                        </p:par>
+                      </p:childTnLst>
+                    </p:cTn>
+                  </p:par>
+                </p:childTnLst>
+              </p:cTn>
+              <p:prevCondLst>
+                <p:cond evt="onPrev" delay="0">
+                  <p:tgtEl>
+                    <p:sldTgt/>
+                  </p:tgtEl>
+                </p:cond>
+              </p:prevCondLst>
+              <p:nextCondLst>
+                <p:cond evt="onNext" delay="0">
+                  <p:tgtEl>
+                    <p:sldTgt/>
+                  </p:tgtEl>
+                </p:cond>
+              </p:nextCondLst>
+            </p:seq>
+          </p:childTnLst>
+        </p:cTn>
+      </p:par>
+    </p:tnLst>
+    <p:bldLst>
+      <p:bldP spid="3" grpId="0" build="p"/>
+    </p:bldLst>
+  </p:timing>
 </p:sld>
 </file>
 
@@ -44562,7 +44983,7 @@
             </a:pPr>
             <a:r>
               <a:rPr lang="en-US" dirty="0"/>
-              <a:t>Measurement Errors and gross Errors</a:t>
+              <a:t>Measurement Errors and Gross Errors</a:t>
             </a:r>
           </a:p>
           <a:p>
@@ -46088,15 +46509,6 @@
 </file>
 
 <file path=customXml/item1.xml><?xml version="1.0" encoding="utf-8"?>
-<?mso-contentType ?>
-<FormTemplates xmlns="http://schemas.microsoft.com/sharepoint/v3/contenttype/forms">
-  <Display>DocumentLibraryForm</Display>
-  <Edit>DocumentLibraryForm</Edit>
-  <New>DocumentLibraryForm</New>
-</FormTemplates>
-</file>
-
-<file path=customXml/item2.xml><?xml version="1.0" encoding="utf-8"?>
 <ct:contentTypeSchema xmlns:ct="http://schemas.microsoft.com/office/2006/metadata/contentType" xmlns:ma="http://schemas.microsoft.com/office/2006/metadata/properties/metaAttributes" ct:_="" ma:_="" ma:contentTypeName="Document" ma:contentTypeID="0x01010079F111ED35F8CC479449609E8A0923A6" ma:contentTypeVersion="11" ma:contentTypeDescription="Create a new document." ma:contentTypeScope="" ma:versionID="96291512c1ee715ab617f4c07df79fc1">
   <xsd:schema xmlns:xsd="http://www.w3.org/2001/XMLSchema" xmlns:xs="http://www.w3.org/2001/XMLSchema" xmlns:p="http://schemas.microsoft.com/office/2006/metadata/properties" xmlns:ns2="71af3243-3dd4-4a8d-8c0d-dd76da1f02a5" xmlns:ns3="16c05727-aa75-4e4a-9b5f-8a80a1165891" targetNamespace="http://schemas.microsoft.com/office/2006/metadata/properties" ma:root="true" ma:fieldsID="8256c27c40ca5c40ce1cf6c44f0205df" ns2:_="" ns3:_="">
     <xsd:import namespace="71af3243-3dd4-4a8d-8c0d-dd76da1f02a5"/>
@@ -46307,7 +46719,7 @@
 </ct:contentTypeSchema>
 </file>
 
-<file path=customXml/item3.xml><?xml version="1.0" encoding="utf-8"?>
+<file path=customXml/item2.xml><?xml version="1.0" encoding="utf-8"?>
 <p:properties xmlns:p="http://schemas.microsoft.com/office/2006/metadata/properties" xmlns:xsi="http://www.w3.org/2001/XMLSchema-instance" xmlns:pc="http://schemas.microsoft.com/office/infopath/2007/PartnerControls">
   <documentManagement>
     <MediaServiceKeyPoints xmlns="71af3243-3dd4-4a8d-8c0d-dd76da1f02a5" xsi:nil="true"/>
@@ -46315,15 +46727,16 @@
 </p:properties>
 </file>
 
-<file path=customXml/itemProps1.xml><?xml version="1.0" encoding="utf-8"?>
-<ds:datastoreItem xmlns:ds="http://schemas.openxmlformats.org/officeDocument/2006/customXml" ds:itemID="{5CA875DA-F9FD-4F83-A049-3B1027B542DE}">
-  <ds:schemaRefs>
-    <ds:schemaRef ds:uri="http://schemas.microsoft.com/sharepoint/v3/contenttype/forms"/>
-  </ds:schemaRefs>
-</ds:datastoreItem>
+<file path=customXml/item3.xml><?xml version="1.0" encoding="utf-8"?>
+<?mso-contentType ?>
+<FormTemplates xmlns="http://schemas.microsoft.com/sharepoint/v3/contenttype/forms">
+  <Display>DocumentLibraryForm</Display>
+  <Edit>DocumentLibraryForm</Edit>
+  <New>DocumentLibraryForm</New>
+</FormTemplates>
 </file>
 
-<file path=customXml/itemProps2.xml><?xml version="1.0" encoding="utf-8"?>
+<file path=customXml/itemProps1.xml><?xml version="1.0" encoding="utf-8"?>
 <ds:datastoreItem xmlns:ds="http://schemas.openxmlformats.org/officeDocument/2006/customXml" ds:itemID="{B2AB02E3-5ADF-4BF0-9C1B-35CDF3FE95B0}">
   <ds:schemaRefs>
     <ds:schemaRef ds:uri="http://schemas.microsoft.com/office/2006/metadata/contentType"/>
@@ -46342,7 +46755,7 @@
 </ds:datastoreItem>
 </file>
 
-<file path=customXml/itemProps3.xml><?xml version="1.0" encoding="utf-8"?>
+<file path=customXml/itemProps2.xml><?xml version="1.0" encoding="utf-8"?>
 <ds:datastoreItem xmlns:ds="http://schemas.openxmlformats.org/officeDocument/2006/customXml" ds:itemID="{03C7D9E6-B0D9-433E-BD46-EB60F64F4DA8}">
   <ds:schemaRefs>
     <ds:schemaRef ds:uri="http://schemas.microsoft.com/office/2006/metadata/properties"/>
@@ -46350,4 +46763,12 @@
     <ds:schemaRef ds:uri="71af3243-3dd4-4a8d-8c0d-dd76da1f02a5"/>
   </ds:schemaRefs>
 </ds:datastoreItem>
+</file>
+
+<file path=customXml/itemProps3.xml><?xml version="1.0" encoding="utf-8"?>
+<ds:datastoreItem xmlns:ds="http://schemas.openxmlformats.org/officeDocument/2006/customXml" ds:itemID="{5CA875DA-F9FD-4F83-A049-3B1027B542DE}">
+  <ds:schemaRefs>
+    <ds:schemaRef ds:uri="http://schemas.microsoft.com/sharepoint/v3/contenttype/forms"/>
+  </ds:schemaRefs>
+</ds:datastoreItem>
 </file>
--- a/lectures/6/1_Designing the Data Collection Form for Communication Data.pptx
+++ b/lectures/6/1_Designing the Data Collection Form for Communication Data.pptx
@@ -6817,7 +6817,7 @@
           <a:p>
             <a:fld id="{73B2889B-A0AC-4482-8592-5C96F2309420}" type="datetimeFigureOut">
               <a:rPr lang="en-US" smtClean="0"/>
-              <a:t>2/20/2022</a:t>
+              <a:t>2/21/2022</a:t>
             </a:fld>
             <a:endParaRPr lang="en-US"/>
           </a:p>
@@ -6994,7 +6994,7 @@
           <a:p>
             <a:fld id="{830EB223-FFC0-462A-A3B8-EAA7CE0F8CBD}" type="datetimeFigureOut">
               <a:rPr lang="en-US" smtClean="0"/>
-              <a:t>2/20/2022</a:t>
+              <a:t>2/21/2022</a:t>
             </a:fld>
             <a:endParaRPr lang="en-US" dirty="0"/>
           </a:p>
@@ -12865,7 +12865,7 @@
           <a:p>
             <a:fld id="{8A35812F-99AF-4BD4-8243-7B044A17BDDE}" type="datetime1">
               <a:rPr lang="en-US" smtClean="0"/>
-              <a:t>2/20/2022</a:t>
+              <a:t>2/21/2022</a:t>
             </a:fld>
             <a:endParaRPr lang="en-US" dirty="0"/>
           </a:p>
@@ -13067,7 +13067,7 @@
           <a:p>
             <a:fld id="{530C42D9-EDD5-43D7-92FA-0F52DC5285AB}" type="datetime1">
               <a:rPr lang="en-US" smtClean="0"/>
-              <a:t>2/20/2022</a:t>
+              <a:t>2/21/2022</a:t>
             </a:fld>
             <a:endParaRPr lang="en-US" dirty="0"/>
           </a:p>
@@ -13279,7 +13279,7 @@
           <a:p>
             <a:fld id="{009444EE-44E0-4DD0-B923-1C1243ECDF97}" type="datetime1">
               <a:rPr lang="en-US" smtClean="0"/>
-              <a:t>2/20/2022</a:t>
+              <a:t>2/21/2022</a:t>
             </a:fld>
             <a:endParaRPr lang="en-US" dirty="0"/>
           </a:p>
@@ -13481,7 +13481,7 @@
           <a:p>
             <a:fld id="{8E71FAFA-920C-44B1-8F17-951198AEE18E}" type="datetime1">
               <a:rPr lang="en-US" smtClean="0"/>
-              <a:t>2/20/2022</a:t>
+              <a:t>2/21/2022</a:t>
             </a:fld>
             <a:endParaRPr lang="en-US" dirty="0"/>
           </a:p>
@@ -13760,7 +13760,7 @@
           <a:p>
             <a:fld id="{6FFCC8EE-5FE0-42C4-8130-5E264FD441A5}" type="datetime1">
               <a:rPr lang="en-US" smtClean="0"/>
-              <a:t>2/20/2022</a:t>
+              <a:t>2/21/2022</a:t>
             </a:fld>
             <a:endParaRPr lang="en-US" dirty="0"/>
           </a:p>
@@ -14029,7 +14029,7 @@
           <a:p>
             <a:fld id="{D7A7FB71-F2CC-4277-9191-82B4BC1E1FFF}" type="datetime1">
               <a:rPr lang="en-US" smtClean="0"/>
-              <a:t>2/20/2022</a:t>
+              <a:t>2/21/2022</a:t>
             </a:fld>
             <a:endParaRPr lang="en-US" dirty="0"/>
           </a:p>
@@ -14445,7 +14445,7 @@
           <a:p>
             <a:fld id="{BBF5DB8E-2310-4119-A3F5-23B7568B05FB}" type="datetime1">
               <a:rPr lang="en-US" smtClean="0"/>
-              <a:t>2/20/2022</a:t>
+              <a:t>2/21/2022</a:t>
             </a:fld>
             <a:endParaRPr lang="en-US" dirty="0"/>
           </a:p>
@@ -14590,7 +14590,7 @@
           <a:p>
             <a:fld id="{0220506B-3ADF-4BF8-A7AA-A2C4CF75112F}" type="datetime1">
               <a:rPr lang="en-US" smtClean="0"/>
-              <a:t>2/20/2022</a:t>
+              <a:t>2/21/2022</a:t>
             </a:fld>
             <a:endParaRPr lang="en-US" dirty="0"/>
           </a:p>
@@ -14707,7 +14707,7 @@
           <a:p>
             <a:fld id="{1831213C-DB0E-449F-BA2E-95219C383337}" type="datetime1">
               <a:rPr lang="en-US" smtClean="0"/>
-              <a:t>2/20/2022</a:t>
+              <a:t>2/21/2022</a:t>
             </a:fld>
             <a:endParaRPr lang="en-US" dirty="0"/>
           </a:p>
@@ -15022,7 +15022,7 @@
           <a:p>
             <a:fld id="{ADBD0578-94DB-41D7-A161-2B6CA42CED96}" type="datetime1">
               <a:rPr lang="en-US" smtClean="0"/>
-              <a:t>2/20/2022</a:t>
+              <a:t>2/21/2022</a:t>
             </a:fld>
             <a:endParaRPr lang="en-US" dirty="0"/>
           </a:p>
@@ -15318,7 +15318,7 @@
           <a:p>
             <a:fld id="{568D8D1C-7B2C-4563-B607-3FCE61C2D7DA}" type="datetime1">
               <a:rPr lang="en-US" smtClean="0"/>
-              <a:t>2/20/2022</a:t>
+              <a:t>2/21/2022</a:t>
             </a:fld>
             <a:endParaRPr lang="en-US" dirty="0"/>
           </a:p>
@@ -15563,7 +15563,7 @@
           <a:p>
             <a:fld id="{70238022-1F1B-45F8-87A0-F3D2B3E84BE9}" type="datetime1">
               <a:rPr lang="en-US" smtClean="0"/>
-              <a:t>2/20/2022</a:t>
+              <a:t>2/21/2022</a:t>
             </a:fld>
             <a:endParaRPr lang="en-US" dirty="0"/>
           </a:p>
@@ -23589,19 +23589,27 @@
               <a:buNone/>
             </a:pPr>
             <a:r>
+              <a:rPr lang="en-US" sz="2000" dirty="0"/>
+              <a:t>Higher levels of measurement have all the properties of </a:t>
+            </a:r>
+            <a:r>
               <a:rPr lang="en-US" sz="2000"/>
-              <a:t>Higher levels of measurement have all the properties of lower levesl of measurement </a:t>
-            </a:r>
-          </a:p>
-          <a:p>
-            <a:r>
-              <a:rPr lang="en-US" sz="2000"/>
+              <a:t>lower levels </a:t>
+            </a:r>
+            <a:r>
+              <a:rPr lang="en-US" sz="2000" dirty="0"/>
+              <a:t>of measurement </a:t>
+            </a:r>
+          </a:p>
+          <a:p>
+            <a:r>
+              <a:rPr lang="en-US" sz="2000" dirty="0"/>
               <a:t>True</a:t>
             </a:r>
           </a:p>
           <a:p>
             <a:r>
-              <a:rPr lang="en-US" sz="2000"/>
+              <a:rPr lang="en-US" sz="2000" dirty="0"/>
               <a:t>False</a:t>
             </a:r>
           </a:p>
@@ -46509,6 +46517,23 @@
 </file>
 
 <file path=customXml/item1.xml><?xml version="1.0" encoding="utf-8"?>
+<p:properties xmlns:p="http://schemas.microsoft.com/office/2006/metadata/properties" xmlns:xsi="http://www.w3.org/2001/XMLSchema-instance" xmlns:pc="http://schemas.microsoft.com/office/infopath/2007/PartnerControls">
+  <documentManagement>
+    <MediaServiceKeyPoints xmlns="71af3243-3dd4-4a8d-8c0d-dd76da1f02a5" xsi:nil="true"/>
+  </documentManagement>
+</p:properties>
+</file>
+
+<file path=customXml/item2.xml><?xml version="1.0" encoding="utf-8"?>
+<?mso-contentType ?>
+<FormTemplates xmlns="http://schemas.microsoft.com/sharepoint/v3/contenttype/forms">
+  <Display>DocumentLibraryForm</Display>
+  <Edit>DocumentLibraryForm</Edit>
+  <New>DocumentLibraryForm</New>
+</FormTemplates>
+</file>
+
+<file path=customXml/item3.xml><?xml version="1.0" encoding="utf-8"?>
 <ct:contentTypeSchema xmlns:ct="http://schemas.microsoft.com/office/2006/metadata/contentType" xmlns:ma="http://schemas.microsoft.com/office/2006/metadata/properties/metaAttributes" ct:_="" ma:_="" ma:contentTypeName="Document" ma:contentTypeID="0x01010079F111ED35F8CC479449609E8A0923A6" ma:contentTypeVersion="11" ma:contentTypeDescription="Create a new document." ma:contentTypeScope="" ma:versionID="96291512c1ee715ab617f4c07df79fc1">
   <xsd:schema xmlns:xsd="http://www.w3.org/2001/XMLSchema" xmlns:xs="http://www.w3.org/2001/XMLSchema" xmlns:p="http://schemas.microsoft.com/office/2006/metadata/properties" xmlns:ns2="71af3243-3dd4-4a8d-8c0d-dd76da1f02a5" xmlns:ns3="16c05727-aa75-4e4a-9b5f-8a80a1165891" targetNamespace="http://schemas.microsoft.com/office/2006/metadata/properties" ma:root="true" ma:fieldsID="8256c27c40ca5c40ce1cf6c44f0205df" ns2:_="" ns3:_="">
     <xsd:import namespace="71af3243-3dd4-4a8d-8c0d-dd76da1f02a5"/>
@@ -46719,24 +46744,25 @@
 </ct:contentTypeSchema>
 </file>
 
-<file path=customXml/item2.xml><?xml version="1.0" encoding="utf-8"?>
-<p:properties xmlns:p="http://schemas.microsoft.com/office/2006/metadata/properties" xmlns:xsi="http://www.w3.org/2001/XMLSchema-instance" xmlns:pc="http://schemas.microsoft.com/office/infopath/2007/PartnerControls">
-  <documentManagement>
-    <MediaServiceKeyPoints xmlns="71af3243-3dd4-4a8d-8c0d-dd76da1f02a5" xsi:nil="true"/>
-  </documentManagement>
-</p:properties>
+<file path=customXml/itemProps1.xml><?xml version="1.0" encoding="utf-8"?>
+<ds:datastoreItem xmlns:ds="http://schemas.openxmlformats.org/officeDocument/2006/customXml" ds:itemID="{03C7D9E6-B0D9-433E-BD46-EB60F64F4DA8}">
+  <ds:schemaRefs>
+    <ds:schemaRef ds:uri="http://schemas.microsoft.com/office/2006/metadata/properties"/>
+    <ds:schemaRef ds:uri="http://schemas.microsoft.com/office/infopath/2007/PartnerControls"/>
+    <ds:schemaRef ds:uri="71af3243-3dd4-4a8d-8c0d-dd76da1f02a5"/>
+  </ds:schemaRefs>
+</ds:datastoreItem>
 </file>
 
-<file path=customXml/item3.xml><?xml version="1.0" encoding="utf-8"?>
-<?mso-contentType ?>
-<FormTemplates xmlns="http://schemas.microsoft.com/sharepoint/v3/contenttype/forms">
-  <Display>DocumentLibraryForm</Display>
-  <Edit>DocumentLibraryForm</Edit>
-  <New>DocumentLibraryForm</New>
-</FormTemplates>
+<file path=customXml/itemProps2.xml><?xml version="1.0" encoding="utf-8"?>
+<ds:datastoreItem xmlns:ds="http://schemas.openxmlformats.org/officeDocument/2006/customXml" ds:itemID="{5CA875DA-F9FD-4F83-A049-3B1027B542DE}">
+  <ds:schemaRefs>
+    <ds:schemaRef ds:uri="http://schemas.microsoft.com/sharepoint/v3/contenttype/forms"/>
+  </ds:schemaRefs>
+</ds:datastoreItem>
 </file>
 
-<file path=customXml/itemProps1.xml><?xml version="1.0" encoding="utf-8"?>
+<file path=customXml/itemProps3.xml><?xml version="1.0" encoding="utf-8"?>
 <ds:datastoreItem xmlns:ds="http://schemas.openxmlformats.org/officeDocument/2006/customXml" ds:itemID="{B2AB02E3-5ADF-4BF0-9C1B-35CDF3FE95B0}">
   <ds:schemaRefs>
     <ds:schemaRef ds:uri="http://schemas.microsoft.com/office/2006/metadata/contentType"/>
@@ -46753,22 +46779,4 @@
     <ds:schemaRef ds:uri="http://schemas.microsoft.com/internal/obd"/>
   </ds:schemaRefs>
 </ds:datastoreItem>
-</file>
-
-<file path=customXml/itemProps2.xml><?xml version="1.0" encoding="utf-8"?>
-<ds:datastoreItem xmlns:ds="http://schemas.openxmlformats.org/officeDocument/2006/customXml" ds:itemID="{03C7D9E6-B0D9-433E-BD46-EB60F64F4DA8}">
-  <ds:schemaRefs>
-    <ds:schemaRef ds:uri="http://schemas.microsoft.com/office/2006/metadata/properties"/>
-    <ds:schemaRef ds:uri="http://schemas.microsoft.com/office/infopath/2007/PartnerControls"/>
-    <ds:schemaRef ds:uri="71af3243-3dd4-4a8d-8c0d-dd76da1f02a5"/>
-  </ds:schemaRefs>
-</ds:datastoreItem>
-</file>
-
-<file path=customXml/itemProps3.xml><?xml version="1.0" encoding="utf-8"?>
-<ds:datastoreItem xmlns:ds="http://schemas.openxmlformats.org/officeDocument/2006/customXml" ds:itemID="{5CA875DA-F9FD-4F83-A049-3B1027B542DE}">
-  <ds:schemaRefs>
-    <ds:schemaRef ds:uri="http://schemas.microsoft.com/sharepoint/v3/contenttype/forms"/>
-  </ds:schemaRefs>
-</ds:datastoreItem>
 </file>